--- a/ppt/sample.pptx
+++ b/ppt/sample.pptx
@@ -1348,13 +1348,13 @@
               </a:spcBef>
             </a:pPr>
             <a:r>
-              <a:rPr sz="5400" spc="-520" dirty="0" err="1" smtClean="0">
+              <a:rPr sz="5400" spc="-520" dirty="0" err="1">
                 <a:latin typeface="Malgun Gothic"/>
                 <a:cs typeface="Malgun Gothic"/>
               </a:rPr>
               <a:t>포트폴리오</a:t>
             </a:r>
-            <a:endParaRPr lang="ko-KR" altLang="en-US" sz="2400" spc="-225" dirty="0" smtClean="0">
+            <a:endParaRPr lang="ko-KR" altLang="en-US" sz="2400" spc="-225" dirty="0">
               <a:latin typeface="Malgun Gothic"/>
               <a:cs typeface="Malgun Gothic"/>
             </a:endParaRPr>
@@ -1391,16 +1391,12 @@
               </a:spcBef>
             </a:pPr>
             <a:r>
-              <a:rPr lang="en-US" altLang="ko-KR" sz="2400" spc="-225" dirty="0" smtClean="0">
-                <a:latin typeface="Malgun Gothic"/>
-                <a:cs typeface="Malgun Gothic"/>
-              </a:rPr>
-              <a:t>{job}</a:t>
-            </a:r>
-            <a:endParaRPr lang="en-US" altLang="ko-KR" sz="2400" spc="-225" dirty="0">
-              <a:latin typeface="Malgun Gothic"/>
-              <a:cs typeface="Malgun Gothic"/>
-            </a:endParaRPr>
+              <a:rPr lang="en-US" altLang="ko-KR" sz="2400" spc="-225" dirty="0">
+                <a:latin typeface="Malgun Gothic"/>
+                <a:cs typeface="Malgun Gothic"/>
+              </a:rPr>
+              <a:t>job</a:t>
+            </a:r>
           </a:p>
         </p:txBody>
       </p:sp>
@@ -1431,22 +1427,8 @@
               </a:spcBef>
             </a:pPr>
             <a:r>
-              <a:rPr lang="en-US" altLang="ko-KR" sz="2400" spc="-225" dirty="0" smtClean="0">
-                <a:latin typeface="Malgun Gothic"/>
-                <a:cs typeface="Malgun Gothic"/>
-              </a:rPr>
-              <a:t>{</a:t>
-            </a:r>
-            <a:r>
-              <a:rPr lang="en-US" altLang="ko-KR" sz="2400" dirty="0" err="1" smtClean="0"/>
+              <a:rPr lang="en-US" altLang="ko-KR" sz="2400" dirty="0" err="1"/>
               <a:t>applicant_name</a:t>
-            </a:r>
-            <a:r>
-              <a:rPr lang="en-US" altLang="ko-KR" sz="2400" spc="-225" dirty="0" smtClean="0">
-                <a:latin typeface="Malgun Gothic"/>
-                <a:cs typeface="Malgun Gothic"/>
-              </a:rPr>
-              <a:t>}</a:t>
             </a:r>
             <a:endParaRPr lang="en-US" altLang="ko-KR" sz="2400" spc="-225" dirty="0">
               <a:latin typeface="Malgun Gothic"/>
@@ -1485,25 +1467,25 @@
               </a:spcBef>
             </a:pPr>
             <a:r>
-              <a:rPr lang="en-US" altLang="ko-KR" sz="1400" spc="100" dirty="0" smtClean="0">
-                <a:latin typeface="Malgun Gothic"/>
-                <a:cs typeface="Malgun Gothic"/>
-              </a:rPr>
-              <a:t>{</a:t>
-            </a:r>
-            <a:r>
-              <a:rPr lang="en-US" altLang="ko-KR" sz="1400" spc="100" dirty="0" err="1" smtClean="0">
+              <a:rPr lang="en-US" altLang="ko-KR" sz="1400" spc="100" dirty="0">
+                <a:latin typeface="Malgun Gothic"/>
+                <a:cs typeface="Malgun Gothic"/>
+              </a:rPr>
+              <a:t>P.</a:t>
+            </a:r>
+            <a:r>
+              <a:rPr lang="ko-KR" altLang="en-US" sz="1400" spc="100" dirty="0">
+                <a:latin typeface="Malgun Gothic"/>
+                <a:cs typeface="Malgun Gothic"/>
+              </a:rPr>
+              <a:t> </a:t>
+            </a:r>
+            <a:r>
+              <a:rPr lang="en-US" altLang="ko-KR" sz="1400" spc="100" dirty="0" err="1">
                 <a:latin typeface="Malgun Gothic"/>
                 <a:cs typeface="Malgun Gothic"/>
               </a:rPr>
               <a:t>phone_number</a:t>
-            </a:r>
-            <a:r>
-              <a:rPr lang="en-US" altLang="ko-KR" sz="1400" spc="100" dirty="0" smtClean="0">
-                <a:latin typeface="Malgun Gothic"/>
-                <a:cs typeface="Malgun Gothic"/>
-              </a:rPr>
-              <a:t>}</a:t>
             </a:r>
             <a:endParaRPr lang="en-US" altLang="ko-KR" sz="1400" spc="100" dirty="0">
               <a:latin typeface="Malgun Gothic"/>
@@ -1591,8 +1573,8 @@
         </p:nvSpPr>
         <p:spPr>
           <a:xfrm>
-            <a:off x="828854" y="3573907"/>
-            <a:ext cx="2139950" cy="228909"/>
+            <a:off x="828853" y="3573907"/>
+            <a:ext cx="4582487" cy="228909"/>
           </a:xfrm>
           <a:prstGeom prst="rect">
             <a:avLst/>
@@ -1613,140 +1595,11 @@
               </a:spcBef>
             </a:pPr>
             <a:r>
-              <a:rPr lang="en-US" altLang="ko-KR" sz="1400" b="1" spc="-30" dirty="0" smtClean="0">
-                <a:latin typeface="Malgun Gothic"/>
-                <a:cs typeface="Malgun Gothic"/>
-              </a:rPr>
-              <a:t>{experience}</a:t>
-            </a:r>
-            <a:endParaRPr lang="en-US" altLang="ko-KR" sz="1400" dirty="0">
-              <a:latin typeface="Malgun Gothic"/>
-              <a:cs typeface="Malgun Gothic"/>
-            </a:endParaRPr>
-          </a:p>
-        </p:txBody>
-      </p:sp>
-      <p:sp>
-        <p:nvSpPr>
-          <p:cNvPr id="4" name="object 4"/>
-          <p:cNvSpPr txBox="1"/>
-          <p:nvPr/>
-        </p:nvSpPr>
-        <p:spPr>
-          <a:xfrm>
-            <a:off x="828854" y="4020692"/>
-            <a:ext cx="2580005" cy="228268"/>
-          </a:xfrm>
-          <a:prstGeom prst="rect">
-            <a:avLst/>
-          </a:prstGeom>
-        </p:spPr>
-        <p:txBody>
-          <a:bodyPr vert="horz" wrap="square" lIns="0" tIns="12700" rIns="0" bIns="0" rtlCol="0">
-            <a:spAutoFit/>
-          </a:bodyPr>
-          <a:lstStyle/>
-          <a:p>
-            <a:pPr marL="12700">
-              <a:lnSpc>
-                <a:spcPct val="100000"/>
-              </a:lnSpc>
-              <a:spcBef>
-                <a:spcPts val="105"/>
-              </a:spcBef>
-            </a:pPr>
-            <a:r>
-              <a:rPr lang="en-US" altLang="ko-KR" sz="1400" b="1" spc="-30" dirty="0" smtClean="0">
-                <a:latin typeface="Malgun Gothic"/>
-                <a:cs typeface="Malgun Gothic"/>
-              </a:rPr>
-              <a:t>{experience}</a:t>
-            </a:r>
-            <a:endParaRPr lang="en-US" altLang="ko-KR" sz="1400" dirty="0">
-              <a:latin typeface="Malgun Gothic"/>
-              <a:cs typeface="Malgun Gothic"/>
-            </a:endParaRPr>
-          </a:p>
-        </p:txBody>
-      </p:sp>
-      <p:sp>
-        <p:nvSpPr>
-          <p:cNvPr id="5" name="object 5"/>
-          <p:cNvSpPr txBox="1"/>
-          <p:nvPr/>
-        </p:nvSpPr>
-        <p:spPr>
-          <a:xfrm>
-            <a:off x="828854" y="4468748"/>
-            <a:ext cx="2286000" cy="228268"/>
-          </a:xfrm>
-          <a:prstGeom prst="rect">
-            <a:avLst/>
-          </a:prstGeom>
-        </p:spPr>
-        <p:txBody>
-          <a:bodyPr vert="horz" wrap="square" lIns="0" tIns="12700" rIns="0" bIns="0" rtlCol="0">
-            <a:spAutoFit/>
-          </a:bodyPr>
-          <a:lstStyle/>
-          <a:p>
-            <a:pPr marL="12700">
-              <a:lnSpc>
-                <a:spcPct val="100000"/>
-              </a:lnSpc>
-              <a:spcBef>
-                <a:spcPts val="105"/>
-              </a:spcBef>
-            </a:pPr>
-            <a:r>
-              <a:rPr lang="en-US" altLang="ko-KR" sz="1400" b="1" spc="-30" dirty="0" smtClean="0">
-                <a:latin typeface="Malgun Gothic"/>
-                <a:cs typeface="Malgun Gothic"/>
-              </a:rPr>
-              <a:t>{experience}</a:t>
-            </a:r>
-            <a:endParaRPr lang="en-US" altLang="ko-KR" sz="1400" dirty="0">
-              <a:latin typeface="Malgun Gothic"/>
-              <a:cs typeface="Malgun Gothic"/>
-            </a:endParaRPr>
-          </a:p>
-        </p:txBody>
-      </p:sp>
-      <p:sp>
-        <p:nvSpPr>
-          <p:cNvPr id="6" name="object 6"/>
-          <p:cNvSpPr txBox="1"/>
-          <p:nvPr/>
-        </p:nvSpPr>
-        <p:spPr>
-          <a:xfrm>
-            <a:off x="828854" y="4915278"/>
-            <a:ext cx="1923414" cy="228268"/>
-          </a:xfrm>
-          <a:prstGeom prst="rect">
-            <a:avLst/>
-          </a:prstGeom>
-        </p:spPr>
-        <p:txBody>
-          <a:bodyPr vert="horz" wrap="square" lIns="0" tIns="12700" rIns="0" bIns="0" rtlCol="0">
-            <a:spAutoFit/>
-          </a:bodyPr>
-          <a:lstStyle/>
-          <a:p>
-            <a:pPr marL="12700">
-              <a:lnSpc>
-                <a:spcPct val="100000"/>
-              </a:lnSpc>
-              <a:spcBef>
-                <a:spcPts val="105"/>
-              </a:spcBef>
-            </a:pPr>
-            <a:r>
-              <a:rPr lang="en-US" altLang="ko-KR" sz="1400" b="1" spc="-30" dirty="0" smtClean="0">
-                <a:latin typeface="Malgun Gothic"/>
-                <a:cs typeface="Malgun Gothic"/>
-              </a:rPr>
-              <a:t>{experience}</a:t>
+              <a:rPr lang="en-US" altLang="ko-KR" sz="1400" b="1" spc="-30" dirty="0" err="1">
+                <a:latin typeface="Malgun Gothic"/>
+                <a:cs typeface="Malgun Gothic"/>
+              </a:rPr>
+              <a:t>experience_list</a:t>
             </a:r>
             <a:endParaRPr lang="en-US" altLang="ko-KR" sz="1400" dirty="0">
               <a:latin typeface="Malgun Gothic"/>
@@ -1928,7 +1781,7 @@
         <p:spPr>
           <a:xfrm>
             <a:off x="828854" y="1006855"/>
-            <a:ext cx="4682490" cy="299720"/>
+            <a:ext cx="6486346" cy="299720"/>
           </a:xfrm>
           <a:prstGeom prst="rect">
             <a:avLst/>
@@ -1949,21 +1802,21 @@
               </a:spcBef>
             </a:pPr>
             <a:r>
-              <a:rPr sz="1800" spc="-155" dirty="0" smtClean="0">
+              <a:rPr sz="1800" spc="-155" dirty="0">
                 <a:latin typeface="Malgun Gothic"/>
                 <a:cs typeface="Malgun Gothic"/>
               </a:rPr>
               <a:t>“</a:t>
             </a:r>
             <a:r>
-              <a:rPr lang="en-US" altLang="ko-KR" sz="1800" spc="-155" dirty="0" smtClean="0">
-                <a:latin typeface="Malgun Gothic"/>
-                <a:cs typeface="Malgun Gothic"/>
-              </a:rPr>
-              <a:t>{slogan}</a:t>
-            </a:r>
-            <a:r>
-              <a:rPr sz="1800" spc="-60" dirty="0" smtClean="0">
+              <a:rPr lang="en-US" sz="1800" spc="-155" dirty="0" err="1">
+                <a:latin typeface="Malgun Gothic"/>
+                <a:cs typeface="Malgun Gothic"/>
+              </a:rPr>
+              <a:t>slogan_main</a:t>
+            </a:r>
+            <a:r>
+              <a:rPr sz="1800" spc="-60" dirty="0">
                 <a:latin typeface="Malgun Gothic"/>
                 <a:cs typeface="Malgun Gothic"/>
               </a:rPr>
@@ -2026,7 +1879,7 @@
               <a:t> </a:t>
             </a:r>
             <a:r>
-              <a:rPr lang="en-US" altLang="ko-KR" sz="2800" b="1" u="sng" spc="-254" dirty="0" smtClean="0">
+              <a:rPr lang="en-US" altLang="ko-KR" sz="2800" b="1" u="sng" spc="-254" dirty="0" err="1">
                 <a:solidFill>
                   <a:srgbClr val="000000"/>
                 </a:solidFill>
@@ -2036,44 +1889,18 @@
                   </a:solidFill>
                 </a:uFill>
               </a:rPr>
-              <a:t>{</a:t>
-            </a:r>
-            <a:r>
-              <a:rPr lang="en-US" altLang="ko-KR" sz="2800" b="1" u="sng" spc="-254" dirty="0" err="1" smtClean="0">
+              <a:t>applicant_name</a:t>
+            </a:r>
+            <a:r>
+              <a:rPr lang="en-US" altLang="ko-KR" sz="2800" b="1" spc="-385" dirty="0">
                 <a:solidFill>
                   <a:srgbClr val="000000"/>
                 </a:solidFill>
-                <a:uFill>
-                  <a:solidFill>
-                    <a:srgbClr val="000000"/>
-                  </a:solidFill>
-                </a:uFill>
-              </a:rPr>
-              <a:t>applicant_name</a:t>
-            </a:r>
-            <a:r>
-              <a:rPr lang="en-US" altLang="ko-KR" sz="2800" b="1" u="sng" spc="-254" dirty="0" smtClean="0">
-                <a:solidFill>
-                  <a:srgbClr val="000000"/>
-                </a:solidFill>
-                <a:uFill>
-                  <a:solidFill>
-                    <a:srgbClr val="000000"/>
-                  </a:solidFill>
-                </a:uFill>
-              </a:rPr>
-              <a:t>}</a:t>
-            </a:r>
-            <a:r>
-              <a:rPr lang="en-US" altLang="ko-KR" sz="2800" b="1" spc="-385" dirty="0" smtClean="0">
-                <a:solidFill>
-                  <a:srgbClr val="000000"/>
-                </a:solidFill>
               </a:rPr>
               <a:t> </a:t>
             </a:r>
             <a:r>
-              <a:rPr sz="2800" spc="-155" dirty="0" err="1" smtClean="0">
+              <a:rPr sz="2800" spc="-155" dirty="0" err="1">
                 <a:solidFill>
                   <a:srgbClr val="000000"/>
                 </a:solidFill>
@@ -2191,8 +2018,8 @@
         </p:nvSpPr>
         <p:spPr>
           <a:xfrm>
-            <a:off x="6445377" y="3573907"/>
-            <a:ext cx="1600200" cy="228909"/>
+            <a:off x="6445376" y="3573907"/>
+            <a:ext cx="4451221" cy="228909"/>
           </a:xfrm>
           <a:prstGeom prst="rect">
             <a:avLst/>
@@ -2213,54 +2040,11 @@
               </a:spcBef>
             </a:pPr>
             <a:r>
-              <a:rPr lang="en-US" altLang="ko-KR" sz="1400" spc="-135" dirty="0" smtClean="0">
-                <a:latin typeface="Malgun Gothic"/>
-                <a:cs typeface="Malgun Gothic"/>
-              </a:rPr>
-              <a:t>{award}</a:t>
-            </a:r>
-            <a:endParaRPr lang="en-US" altLang="ko-KR" sz="1400" dirty="0">
-              <a:latin typeface="Malgun Gothic"/>
-              <a:cs typeface="Malgun Gothic"/>
-            </a:endParaRPr>
-          </a:p>
-        </p:txBody>
-      </p:sp>
-      <p:sp>
-        <p:nvSpPr>
-          <p:cNvPr id="15" name="object 15"/>
-          <p:cNvSpPr txBox="1"/>
-          <p:nvPr/>
-        </p:nvSpPr>
-        <p:spPr>
-          <a:xfrm>
-            <a:off x="6445377" y="4020694"/>
-            <a:ext cx="1337945" cy="228268"/>
-          </a:xfrm>
-          <a:prstGeom prst="rect">
-            <a:avLst/>
-          </a:prstGeom>
-        </p:spPr>
-        <p:txBody>
-          <a:bodyPr vert="horz" wrap="square" lIns="0" tIns="12700" rIns="0" bIns="0" rtlCol="0">
-            <a:spAutoFit/>
-          </a:bodyPr>
-          <a:lstStyle/>
-          <a:p>
-            <a:pPr marL="12700">
-              <a:lnSpc>
-                <a:spcPct val="100000"/>
-              </a:lnSpc>
-              <a:spcBef>
-                <a:spcPts val="105"/>
-              </a:spcBef>
-            </a:pPr>
-            <a:r>
-              <a:rPr lang="en-US" altLang="ko-KR" sz="1400" spc="-135" dirty="0" smtClean="0">
-                <a:latin typeface="Malgun Gothic"/>
-                <a:cs typeface="Malgun Gothic"/>
-              </a:rPr>
-              <a:t>{award}</a:t>
+              <a:rPr lang="en-US" altLang="ko-KR" sz="1400" spc="-135" dirty="0" err="1">
+                <a:latin typeface="Malgun Gothic"/>
+                <a:cs typeface="Malgun Gothic"/>
+              </a:rPr>
+              <a:t>award_list</a:t>
             </a:r>
             <a:endParaRPr lang="en-US" altLang="ko-KR" sz="1400" dirty="0">
               <a:latin typeface="Malgun Gothic"/>
@@ -2354,7 +2138,7 @@
           <a:p>
             <a:pPr algn="ctr"/>
             <a:r>
-              <a:rPr lang="en-US" altLang="ko-KR" dirty="0" smtClean="0"/>
+              <a:rPr lang="en-US" altLang="ko-KR" dirty="0"/>
               <a:t>photo</a:t>
             </a:r>
             <a:endParaRPr lang="ko-KR" altLang="en-US" dirty="0"/>
@@ -2543,8 +2327,8 @@
         </p:nvSpPr>
         <p:spPr>
           <a:xfrm>
-            <a:off x="3625341" y="3176366"/>
-            <a:ext cx="4936490" cy="505267"/>
+            <a:off x="1096834" y="3176366"/>
+            <a:ext cx="9998330" cy="505267"/>
           </a:xfrm>
           <a:prstGeom prst="rect">
             <a:avLst/>
@@ -2565,35 +2349,21 @@
               </a:spcBef>
             </a:pPr>
             <a:r>
-              <a:rPr sz="3200" spc="-155" dirty="0" smtClean="0">
+              <a:rPr sz="3200" spc="-155" dirty="0">
                 <a:latin typeface="Malgun Gothic"/>
                 <a:cs typeface="Malgun Gothic"/>
               </a:rPr>
               <a:t>“</a:t>
             </a:r>
             <a:r>
-              <a:rPr lang="en-US" sz="3200" spc="-155" dirty="0" smtClean="0">
-                <a:latin typeface="Malgun Gothic"/>
-                <a:cs typeface="Malgun Gothic"/>
-              </a:rPr>
-              <a:t>{</a:t>
-            </a:r>
-            <a:r>
-              <a:rPr lang="en-US" sz="3200" spc="-155" dirty="0" err="1" smtClean="0">
+              <a:rPr lang="en-US" sz="3200" spc="-155" dirty="0" err="1">
                 <a:latin typeface="Malgun Gothic"/>
                 <a:cs typeface="Malgun Gothic"/>
               </a:rPr>
               <a:t>vision_slogan</a:t>
             </a:r>
             <a:r>
-              <a:rPr lang="en-US" altLang="ko-KR" sz="3200" spc="-155" dirty="0" smtClean="0">
-                <a:latin typeface="Malgun Gothic"/>
-                <a:cs typeface="Malgun Gothic"/>
-              </a:rPr>
-              <a:t>}</a:t>
-            </a:r>
-            <a:r>
-              <a:rPr sz="3200" spc="-120" dirty="0" smtClean="0">
+              <a:rPr sz="3200" spc="-120" dirty="0">
                 <a:latin typeface="Malgun Gothic"/>
                 <a:cs typeface="Malgun Gothic"/>
               </a:rPr>
@@ -2614,8 +2384,8 @@
         </p:nvSpPr>
         <p:spPr>
           <a:xfrm>
-            <a:off x="2597660" y="3875655"/>
-            <a:ext cx="7035165" cy="358431"/>
+            <a:off x="1096834" y="3886200"/>
+            <a:ext cx="9998330" cy="358431"/>
           </a:xfrm>
           <a:prstGeom prst="rect">
             <a:avLst/>
@@ -2636,25 +2406,11 @@
               </a:spcBef>
             </a:pPr>
             <a:r>
-              <a:rPr lang="en-US" altLang="ko-KR" sz="2000" spc="-120" dirty="0" smtClean="0">
-                <a:latin typeface="Malgun Gothic"/>
-                <a:cs typeface="Malgun Gothic"/>
-              </a:rPr>
-              <a:t>{</a:t>
-            </a:r>
-            <a:r>
-              <a:rPr lang="en-US" altLang="ko-KR" sz="2000" spc="-120" dirty="0" err="1" smtClean="0">
+              <a:rPr lang="en-US" altLang="ko-KR" sz="2000" spc="-120" dirty="0" err="1">
                 <a:latin typeface="Malgun Gothic"/>
                 <a:cs typeface="Malgun Gothic"/>
               </a:rPr>
               <a:t>vision_description</a:t>
-            </a:r>
-            <a:r>
-              <a:rPr lang="en-US" altLang="ko-KR" sz="2000" spc="-120" dirty="0" smtClean="0">
-                <a:latin typeface="Malgun Gothic"/>
-                <a:cs typeface="Malgun Gothic"/>
-              </a:rPr>
-              <a:t>}</a:t>
             </a:r>
             <a:endParaRPr sz="2000" dirty="0">
               <a:latin typeface="Malgun Gothic"/>
@@ -2737,7 +2493,7 @@
         <p:spPr>
           <a:xfrm>
             <a:off x="916939" y="1341120"/>
-            <a:ext cx="5029835" cy="2207656"/>
+            <a:ext cx="10354945" cy="1381789"/>
           </a:xfrm>
           <a:prstGeom prst="rect">
             <a:avLst/>
@@ -2758,16 +2514,8 @@
               </a:spcBef>
             </a:pPr>
             <a:r>
-              <a:rPr lang="en-US" altLang="ko-KR" dirty="0"/>
-              <a:t>{</a:t>
-            </a:r>
-            <a:r>
-              <a:rPr lang="en-US" altLang="ko-KR" dirty="0" err="1" smtClean="0"/>
+              <a:rPr lang="en-US" altLang="ko-KR" dirty="0" err="1"/>
               <a:t>project_name</a:t>
-            </a:r>
-            <a:r>
-              <a:rPr lang="en-US" altLang="ko-KR" dirty="0"/>
-              <a:t>}</a:t>
             </a:r>
             <a:endParaRPr spc="-25" dirty="0"/>
           </a:p>
@@ -2802,68 +2550,12 @@
             </a:pPr>
             <a:r>
               <a:rPr lang="en-US" altLang="ko-KR" sz="1600" dirty="0"/>
-              <a:t>{</a:t>
-            </a:r>
-            <a:r>
-              <a:rPr lang="en-US" altLang="ko-KR" sz="1600" dirty="0" smtClean="0"/>
               <a:t>outline</a:t>
-            </a:r>
-            <a:r>
-              <a:rPr lang="en-US" altLang="ko-KR" sz="1600" dirty="0"/>
-              <a:t>}</a:t>
             </a:r>
             <a:endParaRPr lang="ko-KR" altLang="en-US" sz="1600" dirty="0">
               <a:latin typeface="Times New Roman"/>
               <a:cs typeface="Times New Roman"/>
             </a:endParaRPr>
-          </a:p>
-          <a:p>
-            <a:pPr marL="12700">
-              <a:lnSpc>
-                <a:spcPct val="100000"/>
-              </a:lnSpc>
-              <a:spcBef>
-                <a:spcPts val="2550"/>
-              </a:spcBef>
-            </a:pPr>
-            <a:r>
-              <a:rPr lang="en-US" sz="1800" b="1" spc="-165" dirty="0"/>
-              <a:t>{</a:t>
-            </a:r>
-            <a:r>
-              <a:rPr lang="en-US" sz="1800" b="1" spc="-165" dirty="0" err="1" smtClean="0"/>
-              <a:t>detail_content_title</a:t>
-            </a:r>
-            <a:r>
-              <a:rPr lang="en-US" sz="1800" b="1" spc="-165" dirty="0"/>
-              <a:t>}</a:t>
-            </a:r>
-            <a:endParaRPr sz="900" dirty="0"/>
-          </a:p>
-          <a:p>
-            <a:pPr marL="240665" indent="-227965">
-              <a:lnSpc>
-                <a:spcPct val="100000"/>
-              </a:lnSpc>
-              <a:buFont typeface="Malgun Gothic"/>
-              <a:buChar char="-"/>
-              <a:tabLst>
-                <a:tab pos="240665" algn="l"/>
-              </a:tabLst>
-            </a:pPr>
-            <a:r>
-              <a:rPr lang="en-US" altLang="ko-KR" sz="1400" dirty="0"/>
-              <a:t>{</a:t>
-            </a:r>
-            <a:r>
-              <a:rPr lang="en-US" altLang="ko-KR" sz="1400" dirty="0" err="1" smtClean="0"/>
-              <a:t>detail_content</a:t>
-            </a:r>
-            <a:r>
-              <a:rPr lang="en-US" altLang="ko-KR" sz="1400" dirty="0"/>
-              <a:t>}</a:t>
-            </a:r>
-            <a:endParaRPr lang="en-US" sz="1400" dirty="0"/>
           </a:p>
         </p:txBody>
       </p:sp>
@@ -2917,7 +2609,7 @@
         </p:nvSpPr>
         <p:spPr>
           <a:xfrm>
-            <a:off x="6242050" y="3029534"/>
+            <a:off x="6242050" y="3424989"/>
             <a:ext cx="1225550" cy="289823"/>
           </a:xfrm>
           <a:prstGeom prst="rect">
@@ -2974,8 +2666,8 @@
         </p:nvSpPr>
         <p:spPr>
           <a:xfrm>
-            <a:off x="6242050" y="3430458"/>
-            <a:ext cx="2773680" cy="638636"/>
+            <a:off x="6242050" y="3825913"/>
+            <a:ext cx="5029834" cy="638636"/>
           </a:xfrm>
           <a:prstGeom prst="rect">
             <a:avLst/>
@@ -2996,25 +2688,11 @@
               </a:spcBef>
             </a:pPr>
             <a:r>
-              <a:rPr lang="en-US" sz="1600" b="1" spc="-20" dirty="0">
-                <a:latin typeface="Malgun Gothic"/>
-                <a:cs typeface="Malgun Gothic"/>
-              </a:rPr>
-              <a:t>{</a:t>
-            </a:r>
-            <a:r>
-              <a:rPr lang="en-US" sz="1600" b="1" spc="-20" dirty="0" err="1" smtClean="0">
-                <a:latin typeface="Malgun Gothic"/>
-                <a:cs typeface="Malgun Gothic"/>
-              </a:rPr>
-              <a:t>tech_domain</a:t>
-            </a:r>
-            <a:r>
-              <a:rPr lang="en-US" sz="1600" b="1" spc="-20" dirty="0">
-                <a:latin typeface="Malgun Gothic"/>
-                <a:cs typeface="Malgun Gothic"/>
-              </a:rPr>
-              <a:t>}</a:t>
+              <a:rPr lang="en-US" sz="1600" b="1" spc="-20" dirty="0" err="1">
+                <a:latin typeface="Malgun Gothic"/>
+                <a:cs typeface="Malgun Gothic"/>
+              </a:rPr>
+              <a:t>tech_section</a:t>
             </a:r>
             <a:endParaRPr sz="1600" dirty="0">
               <a:latin typeface="Malgun Gothic"/>
@@ -3039,25 +2717,113 @@
                 <a:latin typeface="Malgun Gothic"/>
                 <a:cs typeface="Malgun Gothic"/>
               </a:rPr>
-              <a:t>{</a:t>
-            </a:r>
-            <a:r>
-              <a:rPr lang="en-US" sz="1400" spc="-10" dirty="0" smtClean="0">
-                <a:latin typeface="Malgun Gothic"/>
-                <a:cs typeface="Malgun Gothic"/>
-              </a:rPr>
               <a:t>tech</a:t>
-            </a:r>
-            <a:r>
-              <a:rPr lang="en-US" sz="1400" spc="-10" dirty="0">
-                <a:latin typeface="Malgun Gothic"/>
-                <a:cs typeface="Malgun Gothic"/>
-              </a:rPr>
-              <a:t>}</a:t>
             </a:r>
             <a:endParaRPr sz="1400" dirty="0">
               <a:latin typeface="Malgun Gothic"/>
               <a:cs typeface="Malgun Gothic"/>
+            </a:endParaRPr>
+          </a:p>
+        </p:txBody>
+      </p:sp>
+      <p:sp>
+        <p:nvSpPr>
+          <p:cNvPr id="7" name="object 5">
+            <a:extLst>
+              <a:ext uri="{FF2B5EF4-FFF2-40B4-BE49-F238E27FC236}">
+                <a16:creationId xmlns:a16="http://schemas.microsoft.com/office/drawing/2014/main" id="{3F746019-7C6F-81D4-4BC9-2FFDF26D600C}"/>
+              </a:ext>
+            </a:extLst>
+          </p:cNvPr>
+          <p:cNvSpPr txBox="1"/>
+          <p:nvPr/>
+        </p:nvSpPr>
+        <p:spPr>
+          <a:xfrm>
+            <a:off x="914400" y="3424989"/>
+            <a:ext cx="5029834" cy="289823"/>
+          </a:xfrm>
+          <a:prstGeom prst="rect">
+            <a:avLst/>
+          </a:prstGeom>
+        </p:spPr>
+        <p:txBody>
+          <a:bodyPr vert="horz" wrap="square" lIns="0" tIns="12700" rIns="0" bIns="0" rtlCol="0">
+            <a:spAutoFit/>
+          </a:bodyPr>
+          <a:lstStyle/>
+          <a:p>
+            <a:pPr marL="12700">
+              <a:lnSpc>
+                <a:spcPct val="100000"/>
+              </a:lnSpc>
+              <a:spcBef>
+                <a:spcPts val="100"/>
+              </a:spcBef>
+            </a:pPr>
+            <a:r>
+              <a:rPr lang="ko-KR" altLang="en-US" b="1" spc="-140" dirty="0">
+                <a:latin typeface="Malgun Gothic"/>
+                <a:cs typeface="Malgun Gothic"/>
+              </a:rPr>
+              <a:t>기여 항목</a:t>
+            </a:r>
+            <a:endParaRPr lang="en-US" sz="1800" dirty="0">
+              <a:latin typeface="Malgun Gothic"/>
+              <a:cs typeface="Malgun Gothic"/>
+            </a:endParaRPr>
+          </a:p>
+        </p:txBody>
+      </p:sp>
+      <p:sp>
+        <p:nvSpPr>
+          <p:cNvPr id="8" name="object 6">
+            <a:extLst>
+              <a:ext uri="{FF2B5EF4-FFF2-40B4-BE49-F238E27FC236}">
+                <a16:creationId xmlns:a16="http://schemas.microsoft.com/office/drawing/2014/main" id="{87CE32BF-C5B9-5143-A4BA-B4C7C9B5BCE8}"/>
+              </a:ext>
+            </a:extLst>
+          </p:cNvPr>
+          <p:cNvSpPr txBox="1"/>
+          <p:nvPr/>
+        </p:nvSpPr>
+        <p:spPr>
+          <a:xfrm>
+            <a:off x="914399" y="3825913"/>
+            <a:ext cx="5029835" cy="315471"/>
+          </a:xfrm>
+          <a:prstGeom prst="rect">
+            <a:avLst/>
+          </a:prstGeom>
+        </p:spPr>
+        <p:txBody>
+          <a:bodyPr vert="horz" wrap="square" lIns="0" tIns="99060" rIns="0" bIns="0" rtlCol="0">
+            <a:spAutoFit/>
+          </a:bodyPr>
+          <a:lstStyle/>
+          <a:p>
+            <a:pPr marL="12700">
+              <a:lnSpc>
+                <a:spcPct val="100000"/>
+              </a:lnSpc>
+              <a:spcBef>
+                <a:spcPts val="780"/>
+              </a:spcBef>
+            </a:pPr>
+            <a:r>
+              <a:rPr lang="en-US" sz="1400" spc="-10" dirty="0">
+                <a:latin typeface="Malgun Gothic"/>
+              </a:rPr>
+              <a:t>- </a:t>
+            </a:r>
+            <a:r>
+              <a:rPr lang="en-US" sz="1400" spc="-10" dirty="0" err="1">
+                <a:latin typeface="Malgun Gothic"/>
+              </a:rPr>
+              <a:t>detail_content_list</a:t>
+            </a:r>
+            <a:endParaRPr lang="en-US" sz="1400" spc="-10" dirty="0">
+              <a:latin typeface="Malgun Gothic"/>
             </a:endParaRPr>
           </a:p>
         </p:txBody>
@@ -3164,21 +2930,7 @@
                 <a:latin typeface="Malgun Gothic"/>
                 <a:cs typeface="Malgun Gothic"/>
               </a:rPr>
-              <a:t>{</a:t>
-            </a:r>
-            <a:r>
-              <a:rPr lang="en-US" sz="1100" spc="-65" dirty="0" smtClean="0">
-                <a:latin typeface="Malgun Gothic"/>
-                <a:cs typeface="Malgun Gothic"/>
-              </a:rPr>
               <a:t>job</a:t>
-            </a:r>
-            <a:r>
-              <a:rPr lang="en-US" sz="1100" spc="-65" dirty="0">
-                <a:latin typeface="Malgun Gothic"/>
-                <a:cs typeface="Malgun Gothic"/>
-              </a:rPr>
-              <a:t>}</a:t>
             </a:r>
             <a:endParaRPr sz="1100" dirty="0">
               <a:latin typeface="Malgun Gothic"/>
@@ -3195,25 +2947,11 @@
               </a:spcBef>
             </a:pPr>
             <a:r>
-              <a:rPr lang="en-US" sz="1100" spc="-110" dirty="0">
-                <a:latin typeface="Malgun Gothic"/>
-                <a:cs typeface="Malgun Gothic"/>
-              </a:rPr>
-              <a:t>{</a:t>
-            </a:r>
-            <a:r>
-              <a:rPr lang="en-US" sz="1100" spc="-110" dirty="0" err="1" smtClean="0">
+              <a:rPr lang="en-US" sz="1100" spc="-110" dirty="0" err="1">
                 <a:latin typeface="Malgun Gothic"/>
                 <a:cs typeface="Malgun Gothic"/>
               </a:rPr>
               <a:t>applicant_name</a:t>
-            </a:r>
-            <a:r>
-              <a:rPr lang="en-US" sz="1100" spc="-110" dirty="0">
-                <a:latin typeface="Malgun Gothic"/>
-                <a:cs typeface="Malgun Gothic"/>
-              </a:rPr>
-              <a:t>}</a:t>
             </a:r>
             <a:endParaRPr sz="1100" dirty="0">
               <a:latin typeface="Malgun Gothic"/>
